--- a/img/flow_chart.pptx
+++ b/img/flow_chart.pptx
@@ -104,6 +104,11 @@
       </a:defRPr>
     </a:lvl9pPr>
   </p:defaultTextStyle>
+  <p:extLst>
+    <p:ext uri="{EFAFB233-063F-42B5-8137-9DF3F51BA10A}">
+      <p15:sldGuideLst xmlns:p15="http://schemas.microsoft.com/office/powerpoint/2012/main"/>
+    </p:ext>
+  </p:extLst>
 </p:presentation>
 </file>
 
@@ -238,7 +243,7 @@
           <a:p>
             <a:fld id="{86754DBD-40CC-5E42-A006-DBD5642A6B5C}" type="datetimeFigureOut">
               <a:rPr lang="en-US" smtClean="0"/>
-              <a:t>3/12/25</a:t>
+              <a:t>4/8/25</a:t>
             </a:fld>
             <a:endParaRPr lang="en-US"/>
           </a:p>
@@ -408,7 +413,7 @@
           <a:p>
             <a:fld id="{86754DBD-40CC-5E42-A006-DBD5642A6B5C}" type="datetimeFigureOut">
               <a:rPr lang="en-US" smtClean="0"/>
-              <a:t>3/12/25</a:t>
+              <a:t>4/8/25</a:t>
             </a:fld>
             <a:endParaRPr lang="en-US"/>
           </a:p>
@@ -588,7 +593,7 @@
           <a:p>
             <a:fld id="{86754DBD-40CC-5E42-A006-DBD5642A6B5C}" type="datetimeFigureOut">
               <a:rPr lang="en-US" smtClean="0"/>
-              <a:t>3/12/25</a:t>
+              <a:t>4/8/25</a:t>
             </a:fld>
             <a:endParaRPr lang="en-US"/>
           </a:p>
@@ -758,7 +763,7 @@
           <a:p>
             <a:fld id="{86754DBD-40CC-5E42-A006-DBD5642A6B5C}" type="datetimeFigureOut">
               <a:rPr lang="en-US" smtClean="0"/>
-              <a:t>3/12/25</a:t>
+              <a:t>4/8/25</a:t>
             </a:fld>
             <a:endParaRPr lang="en-US"/>
           </a:p>
@@ -1004,7 +1009,7 @@
           <a:p>
             <a:fld id="{86754DBD-40CC-5E42-A006-DBD5642A6B5C}" type="datetimeFigureOut">
               <a:rPr lang="en-US" smtClean="0"/>
-              <a:t>3/12/25</a:t>
+              <a:t>4/8/25</a:t>
             </a:fld>
             <a:endParaRPr lang="en-US"/>
           </a:p>
@@ -1236,7 +1241,7 @@
           <a:p>
             <a:fld id="{86754DBD-40CC-5E42-A006-DBD5642A6B5C}" type="datetimeFigureOut">
               <a:rPr lang="en-US" smtClean="0"/>
-              <a:t>3/12/25</a:t>
+              <a:t>4/8/25</a:t>
             </a:fld>
             <a:endParaRPr lang="en-US"/>
           </a:p>
@@ -1603,7 +1608,7 @@
           <a:p>
             <a:fld id="{86754DBD-40CC-5E42-A006-DBD5642A6B5C}" type="datetimeFigureOut">
               <a:rPr lang="en-US" smtClean="0"/>
-              <a:t>3/12/25</a:t>
+              <a:t>4/8/25</a:t>
             </a:fld>
             <a:endParaRPr lang="en-US"/>
           </a:p>
@@ -1721,7 +1726,7 @@
           <a:p>
             <a:fld id="{86754DBD-40CC-5E42-A006-DBD5642A6B5C}" type="datetimeFigureOut">
               <a:rPr lang="en-US" smtClean="0"/>
-              <a:t>3/12/25</a:t>
+              <a:t>4/8/25</a:t>
             </a:fld>
             <a:endParaRPr lang="en-US"/>
           </a:p>
@@ -1816,7 +1821,7 @@
           <a:p>
             <a:fld id="{86754DBD-40CC-5E42-A006-DBD5642A6B5C}" type="datetimeFigureOut">
               <a:rPr lang="en-US" smtClean="0"/>
-              <a:t>3/12/25</a:t>
+              <a:t>4/8/25</a:t>
             </a:fld>
             <a:endParaRPr lang="en-US"/>
           </a:p>
@@ -2093,7 +2098,7 @@
           <a:p>
             <a:fld id="{86754DBD-40CC-5E42-A006-DBD5642A6B5C}" type="datetimeFigureOut">
               <a:rPr lang="en-US" smtClean="0"/>
-              <a:t>3/12/25</a:t>
+              <a:t>4/8/25</a:t>
             </a:fld>
             <a:endParaRPr lang="en-US"/>
           </a:p>
@@ -2350,7 +2355,7 @@
           <a:p>
             <a:fld id="{86754DBD-40CC-5E42-A006-DBD5642A6B5C}" type="datetimeFigureOut">
               <a:rPr lang="en-US" smtClean="0"/>
-              <a:t>3/12/25</a:t>
+              <a:t>4/8/25</a:t>
             </a:fld>
             <a:endParaRPr lang="en-US"/>
           </a:p>
@@ -2563,7 +2568,7 @@
           <a:p>
             <a:fld id="{86754DBD-40CC-5E42-A006-DBD5642A6B5C}" type="datetimeFigureOut">
               <a:rPr lang="en-US" smtClean="0"/>
-              <a:t>3/12/25</a:t>
+              <a:t>4/8/25</a:t>
             </a:fld>
             <a:endParaRPr lang="en-US"/>
           </a:p>
@@ -3486,9 +3491,9 @@
           <p:grpSpPr>
             <a:xfrm>
               <a:off x="5970430" y="5163154"/>
-              <a:ext cx="4989670" cy="1632975"/>
+              <a:ext cx="4989670" cy="1858796"/>
               <a:chOff x="3798730" y="7790415"/>
-              <a:chExt cx="4989670" cy="1632975"/>
+              <a:chExt cx="4989670" cy="1858796"/>
             </a:xfrm>
           </p:grpSpPr>
           <p:sp>
@@ -3506,7 +3511,7 @@
             <p:spPr>
               <a:xfrm>
                 <a:off x="3798730" y="7842247"/>
-                <a:ext cx="4989670" cy="1581143"/>
+                <a:ext cx="4989670" cy="1806964"/>
               </a:xfrm>
               <a:prstGeom prst="roundRect">
                 <a:avLst>
@@ -3615,6 +3620,35 @@
                   <a:ea typeface="Menlo" panose="020B0609030804020204" pitchFamily="49" charset="0"/>
                   <a:cs typeface="Menlo" panose="020B0609030804020204" pitchFamily="49" charset="0"/>
                 </a:endParaRPr>
+              </a:p>
+              <a:p>
+                <a:pPr>
+                  <a:spcAft>
+                    <a:spcPts val="200"/>
+                  </a:spcAft>
+                </a:pPr>
+                <a:r>
+                  <a:rPr lang="en-US" sz="1300" dirty="0">
+                    <a:solidFill>
+                      <a:srgbClr val="8E07C5"/>
+                    </a:solidFill>
+                    <a:latin typeface="Menlo" panose="020B0609030804020204" pitchFamily="49" charset="0"/>
+                    <a:ea typeface="Menlo" panose="020B0609030804020204" pitchFamily="49" charset="0"/>
+                    <a:cs typeface="Menlo" panose="020B0609030804020204" pitchFamily="49" charset="0"/>
+                  </a:rPr>
+                  <a:t>export</a:t>
+                </a:r>
+                <a:r>
+                  <a:rPr lang="en-US" sz="1300" dirty="0">
+                    <a:solidFill>
+                      <a:schemeClr val="tx1"/>
+                    </a:solidFill>
+                    <a:latin typeface="Menlo" panose="020B0609030804020204" pitchFamily="49" charset="0"/>
+                    <a:ea typeface="Menlo" panose="020B0609030804020204" pitchFamily="49" charset="0"/>
+                    <a:cs typeface="Menlo" panose="020B0609030804020204" pitchFamily="49" charset="0"/>
+                  </a:rPr>
+                  <a:t> PYTHONPATH=$PYTHONPATH:..</a:t>
+                </a:r>
               </a:p>
               <a:p>
                 <a:pPr>
@@ -4006,11 +4040,21 @@
                     <a:effectLst/>
                     <a:latin typeface="Menlo" panose="020B0609030804020204" pitchFamily="49" charset="0"/>
                   </a:rPr>
-                  <a:t> *</a:t>
+                  <a:t> * </a:t>
+                </a:r>
+                <a:r>
+                  <a:rPr lang="en-US" sz="1400" b="0" dirty="0">
+                    <a:solidFill>
+                      <a:srgbClr val="028001"/>
+                    </a:solidFill>
+                    <a:effectLst/>
+                    <a:latin typeface="Menlo" panose="020B0609030804020204" pitchFamily="49" charset="0"/>
+                  </a:rPr>
+                  <a:t>#provided by container</a:t>
                 </a:r>
                 <a:endParaRPr lang="en-US" sz="1400" dirty="0">
                   <a:solidFill>
-                    <a:srgbClr val="008000"/>
+                    <a:srgbClr val="028001"/>
                   </a:solidFill>
                   <a:latin typeface="Menlo" panose="020B0609030804020204" pitchFamily="49" charset="0"/>
                   <a:ea typeface="Menlo" panose="020B0609030804020204" pitchFamily="49" charset="0"/>
@@ -4044,7 +4088,7 @@
                     <a:effectLst/>
                     <a:latin typeface="Menlo" panose="020B0609030804020204" pitchFamily="49" charset="0"/>
                   </a:rPr>
-                  <a:t> ../</a:t>
+                  <a:t> </a:t>
                 </a:r>
                 <a:r>
                   <a:rPr lang="en-US" sz="1400" b="0" dirty="0" err="1">
@@ -4086,6 +4130,23 @@
                   </a:rPr>
                   <a:t> *</a:t>
                 </a:r>
+                <a:r>
+                  <a:rPr lang="en-US" sz="1400" b="0" dirty="0">
+                    <a:solidFill>
+                      <a:srgbClr val="028001"/>
+                    </a:solidFill>
+                    <a:effectLst/>
+                    <a:latin typeface="Menlo" panose="020B0609030804020204" pitchFamily="49" charset="0"/>
+                  </a:rPr>
+                  <a:t># custom user lib</a:t>
+                </a:r>
+                <a:endParaRPr lang="en-US" sz="1400" b="0" dirty="0">
+                  <a:solidFill>
+                    <a:srgbClr val="000000"/>
+                  </a:solidFill>
+                  <a:effectLst/>
+                  <a:latin typeface="Menlo" panose="020B0609030804020204" pitchFamily="49" charset="0"/>
+                </a:endParaRPr>
               </a:p>
               <a:p>
                 <a:pPr>
@@ -4301,7 +4362,7 @@
             </a:r>
             <a:r>
               <a:rPr lang="en-US" dirty="0" err="1"/>
-              <a:t>gcr.io</a:t>
+              <a:t>ghcr.io</a:t>
             </a:r>
             <a:r>
               <a:rPr lang="en-US" dirty="0"/>
@@ -4323,7 +4384,7 @@
             </a:r>
             <a:r>
               <a:rPr lang="en-US" dirty="0" err="1"/>
-              <a:t>dockerhub.io</a:t>
+              <a:t>hub.docker.com</a:t>
             </a:r>
             <a:r>
               <a:rPr lang="en-US" dirty="0"/>
